--- a/Omeka/Omeka-2019/2019-Coffee & Code_ Creating digital exhibits with Omeka.pptx
+++ b/Omeka/Omeka-2019/2019-Coffee & Code_ Creating digital exhibits with Omeka.pptx
@@ -802,7 +802,7 @@
   <p:cSld>
     <p:spTree>
       <p:nvGrpSpPr>
-        <p:cNvPr id="109" name="Shape 109"/>
+        <p:cNvPr id="111" name="Shape 111"/>
         <p:cNvGrpSpPr/>
         <p:nvPr/>
       </p:nvGrpSpPr>
@@ -816,7 +816,7 @@
       </p:grpSpPr>
       <p:sp>
         <p:nvSpPr>
-          <p:cNvPr id="110" name="Google Shape;110;g38a477ad5f_0_5:notes"/>
+          <p:cNvPr id="112" name="Google Shape;112;g38a477ad5f_0_5:notes"/>
           <p:cNvSpPr/>
           <p:nvPr>
             <p:ph idx="2" type="sldImg"/>
@@ -851,7 +851,7 @@
       </p:sp>
       <p:sp>
         <p:nvSpPr>
-          <p:cNvPr id="111" name="Google Shape;111;g38a477ad5f_0_5:notes"/>
+          <p:cNvPr id="113" name="Google Shape;113;g38a477ad5f_0_5:notes"/>
           <p:cNvSpPr txBox="1"/>
           <p:nvPr>
             <p:ph idx="1" type="body"/>
@@ -901,7 +901,7 @@
   <p:cSld>
     <p:spTree>
       <p:nvGrpSpPr>
-        <p:cNvPr id="115" name="Shape 115"/>
+        <p:cNvPr id="117" name="Shape 117"/>
         <p:cNvGrpSpPr/>
         <p:nvPr/>
       </p:nvGrpSpPr>
@@ -915,7 +915,7 @@
       </p:grpSpPr>
       <p:sp>
         <p:nvSpPr>
-          <p:cNvPr id="116" name="Google Shape;116;g38a477ad5f_0_0:notes"/>
+          <p:cNvPr id="118" name="Google Shape;118;g38a477ad5f_0_0:notes"/>
           <p:cNvSpPr/>
           <p:nvPr>
             <p:ph idx="2" type="sldImg"/>
@@ -950,7 +950,7 @@
       </p:sp>
       <p:sp>
         <p:nvSpPr>
-          <p:cNvPr id="117" name="Google Shape;117;g38a477ad5f_0_0:notes"/>
+          <p:cNvPr id="119" name="Google Shape;119;g38a477ad5f_0_0:notes"/>
           <p:cNvSpPr txBox="1"/>
           <p:nvPr>
             <p:ph idx="1" type="body"/>
@@ -1000,7 +1000,7 @@
   <p:cSld>
     <p:spTree>
       <p:nvGrpSpPr>
-        <p:cNvPr id="121" name="Shape 121"/>
+        <p:cNvPr id="123" name="Shape 123"/>
         <p:cNvGrpSpPr/>
         <p:nvPr/>
       </p:nvGrpSpPr>
@@ -1014,7 +1014,7 @@
       </p:grpSpPr>
       <p:sp>
         <p:nvSpPr>
-          <p:cNvPr id="122" name="Google Shape;122;g38a477ad5f_0_10:notes"/>
+          <p:cNvPr id="124" name="Google Shape;124;g38a477ad5f_0_10:notes"/>
           <p:cNvSpPr/>
           <p:nvPr>
             <p:ph idx="2" type="sldImg"/>
@@ -1049,7 +1049,7 @@
       </p:sp>
       <p:sp>
         <p:nvSpPr>
-          <p:cNvPr id="123" name="Google Shape;123;g38a477ad5f_0_10:notes"/>
+          <p:cNvPr id="125" name="Google Shape;125;g38a477ad5f_0_10:notes"/>
           <p:cNvSpPr txBox="1"/>
           <p:nvPr>
             <p:ph idx="1" type="body"/>
@@ -1099,7 +1099,7 @@
   <p:cSld>
     <p:spTree>
       <p:nvGrpSpPr>
-        <p:cNvPr id="127" name="Shape 127"/>
+        <p:cNvPr id="129" name="Shape 129"/>
         <p:cNvGrpSpPr/>
         <p:nvPr/>
       </p:nvGrpSpPr>
@@ -1113,7 +1113,7 @@
       </p:grpSpPr>
       <p:sp>
         <p:nvSpPr>
-          <p:cNvPr id="128" name="Google Shape;128;g36e6424ea0_1_5:notes"/>
+          <p:cNvPr id="130" name="Google Shape;130;g36e6424ea0_1_5:notes"/>
           <p:cNvSpPr/>
           <p:nvPr>
             <p:ph idx="2" type="sldImg"/>
@@ -1148,7 +1148,7 @@
       </p:sp>
       <p:sp>
         <p:nvSpPr>
-          <p:cNvPr id="129" name="Google Shape;129;g36e6424ea0_1_5:notes"/>
+          <p:cNvPr id="131" name="Google Shape;131;g36e6424ea0_1_5:notes"/>
           <p:cNvSpPr txBox="1"/>
           <p:nvPr>
             <p:ph idx="1" type="body"/>
@@ -1198,7 +1198,7 @@
   <p:cSld>
     <p:spTree>
       <p:nvGrpSpPr>
-        <p:cNvPr id="133" name="Shape 133"/>
+        <p:cNvPr id="135" name="Shape 135"/>
         <p:cNvGrpSpPr/>
         <p:nvPr/>
       </p:nvGrpSpPr>
@@ -1212,7 +1212,7 @@
       </p:grpSpPr>
       <p:sp>
         <p:nvSpPr>
-          <p:cNvPr id="134" name="Google Shape;134;g366f75d2c2_0_5:notes"/>
+          <p:cNvPr id="136" name="Google Shape;136;g366f75d2c2_0_5:notes"/>
           <p:cNvSpPr/>
           <p:nvPr>
             <p:ph idx="2" type="sldImg"/>
@@ -1247,7 +1247,7 @@
       </p:sp>
       <p:sp>
         <p:nvSpPr>
-          <p:cNvPr id="135" name="Google Shape;135;g366f75d2c2_0_5:notes"/>
+          <p:cNvPr id="137" name="Google Shape;137;g366f75d2c2_0_5:notes"/>
           <p:cNvSpPr txBox="1"/>
           <p:nvPr>
             <p:ph idx="1" type="body"/>
@@ -1298,7 +1298,7 @@
   <p:cSld>
     <p:spTree>
       <p:nvGrpSpPr>
-        <p:cNvPr id="140" name="Shape 140"/>
+        <p:cNvPr id="142" name="Shape 142"/>
         <p:cNvGrpSpPr/>
         <p:nvPr/>
       </p:nvGrpSpPr>
@@ -1312,7 +1312,7 @@
       </p:grpSpPr>
       <p:sp>
         <p:nvSpPr>
-          <p:cNvPr id="141" name="Google Shape;141;g3841bd7846_0_185:notes"/>
+          <p:cNvPr id="143" name="Google Shape;143;g3841bd7846_0_185:notes"/>
           <p:cNvSpPr/>
           <p:nvPr>
             <p:ph idx="2" type="sldImg"/>
@@ -1347,7 +1347,7 @@
       </p:sp>
       <p:sp>
         <p:nvSpPr>
-          <p:cNvPr id="142" name="Google Shape;142;g3841bd7846_0_185:notes"/>
+          <p:cNvPr id="144" name="Google Shape;144;g3841bd7846_0_185:notes"/>
           <p:cNvSpPr txBox="1"/>
           <p:nvPr>
             <p:ph idx="1" type="body"/>
@@ -1397,7 +1397,7 @@
   <p:cSld>
     <p:spTree>
       <p:nvGrpSpPr>
-        <p:cNvPr id="145" name="Shape 145"/>
+        <p:cNvPr id="147" name="Shape 147"/>
         <p:cNvGrpSpPr/>
         <p:nvPr/>
       </p:nvGrpSpPr>
@@ -1411,7 +1411,7 @@
       </p:grpSpPr>
       <p:sp>
         <p:nvSpPr>
-          <p:cNvPr id="146" name="Google Shape;146;g32ff6e3353_0_10:notes"/>
+          <p:cNvPr id="148" name="Google Shape;148;g32ff6e3353_0_10:notes"/>
           <p:cNvSpPr/>
           <p:nvPr>
             <p:ph idx="2" type="sldImg"/>
@@ -1446,7 +1446,7 @@
       </p:sp>
       <p:sp>
         <p:nvSpPr>
-          <p:cNvPr id="147" name="Google Shape;147;g32ff6e3353_0_10:notes"/>
+          <p:cNvPr id="149" name="Google Shape;149;g32ff6e3353_0_10:notes"/>
           <p:cNvSpPr txBox="1"/>
           <p:nvPr>
             <p:ph idx="1" type="body"/>
@@ -1497,7 +1497,7 @@
   <p:cSld>
     <p:spTree>
       <p:nvGrpSpPr>
-        <p:cNvPr id="151" name="Shape 151"/>
+        <p:cNvPr id="153" name="Shape 153"/>
         <p:cNvGrpSpPr/>
         <p:nvPr/>
       </p:nvGrpSpPr>
@@ -1511,7 +1511,7 @@
       </p:grpSpPr>
       <p:sp>
         <p:nvSpPr>
-          <p:cNvPr id="152" name="Google Shape;152;g3841bd7846_0_191:notes"/>
+          <p:cNvPr id="154" name="Google Shape;154;g3841bd7846_0_191:notes"/>
           <p:cNvSpPr/>
           <p:nvPr>
             <p:ph idx="2" type="sldImg"/>
@@ -1546,7 +1546,7 @@
       </p:sp>
       <p:sp>
         <p:nvSpPr>
-          <p:cNvPr id="153" name="Google Shape;153;g3841bd7846_0_191:notes"/>
+          <p:cNvPr id="155" name="Google Shape;155;g3841bd7846_0_191:notes"/>
           <p:cNvSpPr txBox="1"/>
           <p:nvPr>
             <p:ph idx="1" type="body"/>
@@ -1596,7 +1596,7 @@
   <p:cSld>
     <p:spTree>
       <p:nvGrpSpPr>
-        <p:cNvPr id="156" name="Shape 156"/>
+        <p:cNvPr id="158" name="Shape 158"/>
         <p:cNvGrpSpPr/>
         <p:nvPr/>
       </p:nvGrpSpPr>
@@ -1610,7 +1610,7 @@
       </p:grpSpPr>
       <p:sp>
         <p:nvSpPr>
-          <p:cNvPr id="157" name="Google Shape;157;g3841bd7846_0_201:notes"/>
+          <p:cNvPr id="159" name="Google Shape;159;g3841bd7846_0_201:notes"/>
           <p:cNvSpPr/>
           <p:nvPr>
             <p:ph idx="2" type="sldImg"/>
@@ -1645,7 +1645,7 @@
       </p:sp>
       <p:sp>
         <p:nvSpPr>
-          <p:cNvPr id="158" name="Google Shape;158;g3841bd7846_0_201:notes"/>
+          <p:cNvPr id="160" name="Google Shape;160;g3841bd7846_0_201:notes"/>
           <p:cNvSpPr txBox="1"/>
           <p:nvPr>
             <p:ph idx="1" type="body"/>
@@ -1696,7 +1696,7 @@
   <p:cSld>
     <p:spTree>
       <p:nvGrpSpPr>
-        <p:cNvPr id="162" name="Shape 162"/>
+        <p:cNvPr id="164" name="Shape 164"/>
         <p:cNvGrpSpPr/>
         <p:nvPr/>
       </p:nvGrpSpPr>
@@ -1710,7 +1710,7 @@
       </p:grpSpPr>
       <p:sp>
         <p:nvSpPr>
-          <p:cNvPr id="163" name="Google Shape;163;g307f039ad6_0_0:notes"/>
+          <p:cNvPr id="165" name="Google Shape;165;g307f039ad6_0_0:notes"/>
           <p:cNvSpPr/>
           <p:nvPr>
             <p:ph idx="2" type="sldImg"/>
@@ -1745,7 +1745,7 @@
       </p:sp>
       <p:sp>
         <p:nvSpPr>
-          <p:cNvPr id="164" name="Google Shape;164;g307f039ad6_0_0:notes"/>
+          <p:cNvPr id="166" name="Google Shape;166;g307f039ad6_0_0:notes"/>
           <p:cNvSpPr txBox="1"/>
           <p:nvPr>
             <p:ph idx="1" type="body"/>
@@ -1796,7 +1796,7 @@
   <p:cSld>
     <p:spTree>
       <p:nvGrpSpPr>
-        <p:cNvPr id="63" name="Shape 63"/>
+        <p:cNvPr id="65" name="Shape 65"/>
         <p:cNvGrpSpPr/>
         <p:nvPr/>
       </p:nvGrpSpPr>
@@ -1810,7 +1810,7 @@
       </p:grpSpPr>
       <p:sp>
         <p:nvSpPr>
-          <p:cNvPr id="64" name="Google Shape;64;g3841bd7846_0_158:notes"/>
+          <p:cNvPr id="66" name="Google Shape;66;g3841bd7846_0_158:notes"/>
           <p:cNvSpPr/>
           <p:nvPr>
             <p:ph idx="2" type="sldImg"/>
@@ -1845,7 +1845,7 @@
       </p:sp>
       <p:sp>
         <p:nvSpPr>
-          <p:cNvPr id="65" name="Google Shape;65;g3841bd7846_0_158:notes"/>
+          <p:cNvPr id="67" name="Google Shape;67;g3841bd7846_0_158:notes"/>
           <p:cNvSpPr txBox="1"/>
           <p:nvPr>
             <p:ph idx="1" type="body"/>
@@ -1895,7 +1895,7 @@
   <p:cSld>
     <p:spTree>
       <p:nvGrpSpPr>
-        <p:cNvPr id="168" name="Shape 168"/>
+        <p:cNvPr id="170" name="Shape 170"/>
         <p:cNvGrpSpPr/>
         <p:nvPr/>
       </p:nvGrpSpPr>
@@ -1909,7 +1909,7 @@
       </p:grpSpPr>
       <p:sp>
         <p:nvSpPr>
-          <p:cNvPr id="169" name="Google Shape;169;g36e6424ea0_1_10:notes"/>
+          <p:cNvPr id="171" name="Google Shape;171;g36e6424ea0_1_10:notes"/>
           <p:cNvSpPr/>
           <p:nvPr>
             <p:ph idx="2" type="sldImg"/>
@@ -1944,7 +1944,7 @@
       </p:sp>
       <p:sp>
         <p:nvSpPr>
-          <p:cNvPr id="170" name="Google Shape;170;g36e6424ea0_1_10:notes"/>
+          <p:cNvPr id="172" name="Google Shape;172;g36e6424ea0_1_10:notes"/>
           <p:cNvSpPr txBox="1"/>
           <p:nvPr>
             <p:ph idx="1" type="body"/>
@@ -1994,7 +1994,7 @@
   <p:cSld>
     <p:spTree>
       <p:nvGrpSpPr>
-        <p:cNvPr id="174" name="Shape 174"/>
+        <p:cNvPr id="176" name="Shape 176"/>
         <p:cNvGrpSpPr/>
         <p:nvPr/>
       </p:nvGrpSpPr>
@@ -2008,7 +2008,7 @@
       </p:grpSpPr>
       <p:sp>
         <p:nvSpPr>
-          <p:cNvPr id="175" name="Google Shape;175;g50f6b988f0_0_98:notes"/>
+          <p:cNvPr id="177" name="Google Shape;177;g50f6b988f0_0_98:notes"/>
           <p:cNvSpPr/>
           <p:nvPr>
             <p:ph idx="2" type="sldImg"/>
@@ -2043,7 +2043,7 @@
       </p:sp>
       <p:sp>
         <p:nvSpPr>
-          <p:cNvPr id="176" name="Google Shape;176;g50f6b988f0_0_98:notes"/>
+          <p:cNvPr id="178" name="Google Shape;178;g50f6b988f0_0_98:notes"/>
           <p:cNvSpPr txBox="1"/>
           <p:nvPr>
             <p:ph idx="1" type="body"/>
@@ -2093,7 +2093,7 @@
   <p:cSld>
     <p:spTree>
       <p:nvGrpSpPr>
-        <p:cNvPr id="180" name="Shape 180"/>
+        <p:cNvPr id="182" name="Shape 182"/>
         <p:cNvGrpSpPr/>
         <p:nvPr/>
       </p:nvGrpSpPr>
@@ -2107,7 +2107,7 @@
       </p:grpSpPr>
       <p:sp>
         <p:nvSpPr>
-          <p:cNvPr id="181" name="Google Shape;181;g50f6b988f0_0_111:notes"/>
+          <p:cNvPr id="183" name="Google Shape;183;g50f6b988f0_0_111:notes"/>
           <p:cNvSpPr/>
           <p:nvPr>
             <p:ph idx="2" type="sldImg"/>
@@ -2142,7 +2142,7 @@
       </p:sp>
       <p:sp>
         <p:nvSpPr>
-          <p:cNvPr id="182" name="Google Shape;182;g50f6b988f0_0_111:notes"/>
+          <p:cNvPr id="184" name="Google Shape;184;g50f6b988f0_0_111:notes"/>
           <p:cNvSpPr txBox="1"/>
           <p:nvPr>
             <p:ph idx="1" type="body"/>
@@ -2192,7 +2192,7 @@
   <p:cSld>
     <p:spTree>
       <p:nvGrpSpPr>
-        <p:cNvPr id="69" name="Shape 69"/>
+        <p:cNvPr id="71" name="Shape 71"/>
         <p:cNvGrpSpPr/>
         <p:nvPr/>
       </p:nvGrpSpPr>
@@ -2206,7 +2206,7 @@
       </p:grpSpPr>
       <p:sp>
         <p:nvSpPr>
-          <p:cNvPr id="70" name="Google Shape;70;g3841bd7846_0_172:notes"/>
+          <p:cNvPr id="72" name="Google Shape;72;g3841bd7846_0_172:notes"/>
           <p:cNvSpPr/>
           <p:nvPr>
             <p:ph idx="2" type="sldImg"/>
@@ -2241,7 +2241,7 @@
       </p:sp>
       <p:sp>
         <p:nvSpPr>
-          <p:cNvPr id="71" name="Google Shape;71;g3841bd7846_0_172:notes"/>
+          <p:cNvPr id="73" name="Google Shape;73;g3841bd7846_0_172:notes"/>
           <p:cNvSpPr txBox="1"/>
           <p:nvPr>
             <p:ph idx="1" type="body"/>
@@ -2291,7 +2291,7 @@
   <p:cSld>
     <p:spTree>
       <p:nvGrpSpPr>
-        <p:cNvPr id="74" name="Shape 74"/>
+        <p:cNvPr id="76" name="Shape 76"/>
         <p:cNvGrpSpPr/>
         <p:nvPr/>
       </p:nvGrpSpPr>
@@ -2305,7 +2305,7 @@
       </p:grpSpPr>
       <p:sp>
         <p:nvSpPr>
-          <p:cNvPr id="75" name="Google Shape;75;g50f6b988f0_0_103:notes"/>
+          <p:cNvPr id="77" name="Google Shape;77;g50f6b988f0_0_103:notes"/>
           <p:cNvSpPr/>
           <p:nvPr>
             <p:ph idx="2" type="sldImg"/>
@@ -2340,7 +2340,7 @@
       </p:sp>
       <p:sp>
         <p:nvSpPr>
-          <p:cNvPr id="76" name="Google Shape;76;g50f6b988f0_0_103:notes"/>
+          <p:cNvPr id="78" name="Google Shape;78;g50f6b988f0_0_103:notes"/>
           <p:cNvSpPr txBox="1"/>
           <p:nvPr>
             <p:ph idx="1" type="body"/>
@@ -2390,7 +2390,7 @@
   <p:cSld>
     <p:spTree>
       <p:nvGrpSpPr>
-        <p:cNvPr id="80" name="Shape 80"/>
+        <p:cNvPr id="82" name="Shape 82"/>
         <p:cNvGrpSpPr/>
         <p:nvPr/>
       </p:nvGrpSpPr>
@@ -2404,7 +2404,7 @@
       </p:grpSpPr>
       <p:sp>
         <p:nvSpPr>
-          <p:cNvPr id="81" name="Google Shape;81;g3841bd7846_0_165:notes"/>
+          <p:cNvPr id="83" name="Google Shape;83;g3841bd7846_0_165:notes"/>
           <p:cNvSpPr/>
           <p:nvPr>
             <p:ph idx="2" type="sldImg"/>
@@ -2439,7 +2439,7 @@
       </p:sp>
       <p:sp>
         <p:nvSpPr>
-          <p:cNvPr id="82" name="Google Shape;82;g3841bd7846_0_165:notes"/>
+          <p:cNvPr id="84" name="Google Shape;84;g3841bd7846_0_165:notes"/>
           <p:cNvSpPr txBox="1"/>
           <p:nvPr>
             <p:ph idx="1" type="body"/>
@@ -2490,7 +2490,7 @@
   <p:cSld>
     <p:spTree>
       <p:nvGrpSpPr>
-        <p:cNvPr id="86" name="Shape 86"/>
+        <p:cNvPr id="88" name="Shape 88"/>
         <p:cNvGrpSpPr/>
         <p:nvPr/>
       </p:nvGrpSpPr>
@@ -2504,7 +2504,7 @@
       </p:grpSpPr>
       <p:sp>
         <p:nvSpPr>
-          <p:cNvPr id="87" name="Google Shape;87;g36e6424ea0_1_0:notes"/>
+          <p:cNvPr id="89" name="Google Shape;89;g36e6424ea0_1_0:notes"/>
           <p:cNvSpPr/>
           <p:nvPr>
             <p:ph idx="2" type="sldImg"/>
@@ -2539,7 +2539,7 @@
       </p:sp>
       <p:sp>
         <p:nvSpPr>
-          <p:cNvPr id="88" name="Google Shape;88;g36e6424ea0_1_0:notes"/>
+          <p:cNvPr id="90" name="Google Shape;90;g36e6424ea0_1_0:notes"/>
           <p:cNvSpPr txBox="1"/>
           <p:nvPr>
             <p:ph idx="1" type="body"/>
@@ -2589,7 +2589,7 @@
   <p:cSld>
     <p:spTree>
       <p:nvGrpSpPr>
-        <p:cNvPr id="92" name="Shape 92"/>
+        <p:cNvPr id="94" name="Shape 94"/>
         <p:cNvGrpSpPr/>
         <p:nvPr/>
       </p:nvGrpSpPr>
@@ -2603,7 +2603,7 @@
       </p:grpSpPr>
       <p:sp>
         <p:nvSpPr>
-          <p:cNvPr id="93" name="Google Shape;93;g3841bd7846_0_177:notes"/>
+          <p:cNvPr id="95" name="Google Shape;95;g3841bd7846_0_177:notes"/>
           <p:cNvSpPr/>
           <p:nvPr>
             <p:ph idx="2" type="sldImg"/>
@@ -2638,7 +2638,7 @@
       </p:sp>
       <p:sp>
         <p:nvSpPr>
-          <p:cNvPr id="94" name="Google Shape;94;g3841bd7846_0_177:notes"/>
+          <p:cNvPr id="96" name="Google Shape;96;g3841bd7846_0_177:notes"/>
           <p:cNvSpPr txBox="1"/>
           <p:nvPr>
             <p:ph idx="1" type="body"/>
@@ -2688,7 +2688,7 @@
   <p:cSld>
     <p:spTree>
       <p:nvGrpSpPr>
-        <p:cNvPr id="97" name="Shape 97"/>
+        <p:cNvPr id="99" name="Shape 99"/>
         <p:cNvGrpSpPr/>
         <p:nvPr/>
       </p:nvGrpSpPr>
@@ -2702,7 +2702,7 @@
       </p:grpSpPr>
       <p:sp>
         <p:nvSpPr>
-          <p:cNvPr id="98" name="Google Shape;98;g30a00097de_1_0:notes"/>
+          <p:cNvPr id="100" name="Google Shape;100;g30a00097de_1_0:notes"/>
           <p:cNvSpPr/>
           <p:nvPr>
             <p:ph idx="2" type="sldImg"/>
@@ -2737,7 +2737,7 @@
       </p:sp>
       <p:sp>
         <p:nvSpPr>
-          <p:cNvPr id="99" name="Google Shape;99;g30a00097de_1_0:notes"/>
+          <p:cNvPr id="101" name="Google Shape;101;g30a00097de_1_0:notes"/>
           <p:cNvSpPr txBox="1"/>
           <p:nvPr>
             <p:ph idx="1" type="body"/>
@@ -2788,7 +2788,7 @@
   <p:cSld>
     <p:spTree>
       <p:nvGrpSpPr>
-        <p:cNvPr id="103" name="Shape 103"/>
+        <p:cNvPr id="105" name="Shape 105"/>
         <p:cNvGrpSpPr/>
         <p:nvPr/>
       </p:nvGrpSpPr>
@@ -2802,7 +2802,7 @@
       </p:grpSpPr>
       <p:sp>
         <p:nvSpPr>
-          <p:cNvPr id="104" name="Google Shape;104;g32ff6e3353_0_0:notes"/>
+          <p:cNvPr id="106" name="Google Shape;106;g32ff6e3353_0_0:notes"/>
           <p:cNvSpPr/>
           <p:nvPr>
             <p:ph idx="2" type="sldImg"/>
@@ -2837,7 +2837,7 @@
       </p:sp>
       <p:sp>
         <p:nvSpPr>
-          <p:cNvPr id="105" name="Google Shape;105;g32ff6e3353_0_0:notes"/>
+          <p:cNvPr id="107" name="Google Shape;107;g32ff6e3353_0_0:notes"/>
           <p:cNvSpPr txBox="1"/>
           <p:nvPr>
             <p:ph idx="1" type="body"/>
@@ -8395,6 +8395,92 @@
           </a:p>
         </p:txBody>
       </p:sp>
+      <p:sp>
+        <p:nvSpPr>
+          <p:cNvPr id="63" name="Google Shape;63;p13"/>
+          <p:cNvSpPr txBox="1"/>
+          <p:nvPr/>
+        </p:nvSpPr>
+        <p:spPr>
+          <a:xfrm>
+            <a:off x="531075" y="4150200"/>
+            <a:ext cx="6225300" cy="630000"/>
+          </a:xfrm>
+          <a:prstGeom prst="rect">
+            <a:avLst/>
+          </a:prstGeom>
+          <a:noFill/>
+          <a:ln>
+            <a:noFill/>
+          </a:ln>
+        </p:spPr>
+        <p:txBody>
+          <a:bodyPr anchorCtr="0" anchor="t" bIns="91425" lIns="91425" spcFirstLastPara="1" rIns="91425" wrap="square" tIns="91425">
+            <a:noAutofit/>
+          </a:bodyPr>
+          <a:lstStyle/>
+          <a:p>
+            <a:pPr indent="0" lvl="0" marL="0" rtl="0" algn="l">
+              <a:spcBef>
+                <a:spcPts val="0"/>
+              </a:spcBef>
+              <a:spcAft>
+                <a:spcPts val="0"/>
+              </a:spcAft>
+              <a:buNone/>
+            </a:pPr>
+            <a:r>
+              <a:rPr lang="en" sz="1800">
+                <a:solidFill>
+                  <a:schemeClr val="accent5"/>
+                </a:solidFill>
+                <a:latin typeface="Proxima Nova"/>
+                <a:ea typeface="Proxima Nova"/>
+                <a:cs typeface="Proxima Nova"/>
+                <a:sym typeface="Proxima Nova"/>
+              </a:rPr>
+              <a:t>http://bit.ly/2UMyWZD</a:t>
+            </a:r>
+            <a:endParaRPr sz="1800">
+              <a:solidFill>
+                <a:schemeClr val="accent5"/>
+              </a:solidFill>
+              <a:latin typeface="Proxima Nova"/>
+              <a:ea typeface="Proxima Nova"/>
+              <a:cs typeface="Proxima Nova"/>
+              <a:sym typeface="Proxima Nova"/>
+            </a:endParaRPr>
+          </a:p>
+        </p:txBody>
+      </p:sp>
+      <p:pic>
+        <p:nvPicPr>
+          <p:cNvPr id="64" name="Google Shape;64;p13"/>
+          <p:cNvPicPr preferRelativeResize="0"/>
+          <p:nvPr/>
+        </p:nvPicPr>
+        <p:blipFill>
+          <a:blip r:embed="rId4">
+            <a:alphaModFix/>
+          </a:blip>
+          <a:stretch>
+            <a:fillRect/>
+          </a:stretch>
+        </p:blipFill>
+        <p:spPr>
+          <a:xfrm>
+            <a:off x="8149350" y="4715650"/>
+            <a:ext cx="838200" cy="295275"/>
+          </a:xfrm>
+          <a:prstGeom prst="rect">
+            <a:avLst/>
+          </a:prstGeom>
+          <a:noFill/>
+          <a:ln>
+            <a:noFill/>
+          </a:ln>
+        </p:spPr>
+      </p:pic>
     </p:spTree>
   </p:cSld>
   <p:clrMapOvr>
@@ -8408,7 +8494,7 @@
   <p:cSld>
     <p:spTree>
       <p:nvGrpSpPr>
-        <p:cNvPr id="112" name="Shape 112"/>
+        <p:cNvPr id="114" name="Shape 114"/>
         <p:cNvGrpSpPr/>
         <p:nvPr/>
       </p:nvGrpSpPr>
@@ -8422,7 +8508,7 @@
       </p:grpSpPr>
       <p:sp>
         <p:nvSpPr>
-          <p:cNvPr id="113" name="Google Shape;113;p22"/>
+          <p:cNvPr id="115" name="Google Shape;115;p22"/>
           <p:cNvSpPr txBox="1"/>
           <p:nvPr>
             <p:ph type="title"/>
@@ -8462,7 +8548,7 @@
       </p:sp>
       <p:sp>
         <p:nvSpPr>
-          <p:cNvPr id="114" name="Google Shape;114;p22"/>
+          <p:cNvPr id="116" name="Google Shape;116;p22"/>
           <p:cNvSpPr txBox="1"/>
           <p:nvPr>
             <p:ph idx="1" type="body"/>
@@ -8545,7 +8631,7 @@
   <p:cSld>
     <p:spTree>
       <p:nvGrpSpPr>
-        <p:cNvPr id="118" name="Shape 118"/>
+        <p:cNvPr id="120" name="Shape 120"/>
         <p:cNvGrpSpPr/>
         <p:nvPr/>
       </p:nvGrpSpPr>
@@ -8559,7 +8645,7 @@
       </p:grpSpPr>
       <p:sp>
         <p:nvSpPr>
-          <p:cNvPr id="119" name="Google Shape;119;p23"/>
+          <p:cNvPr id="121" name="Google Shape;121;p23"/>
           <p:cNvSpPr txBox="1"/>
           <p:nvPr>
             <p:ph type="title"/>
@@ -8599,7 +8685,7 @@
       </p:sp>
       <p:sp>
         <p:nvSpPr>
-          <p:cNvPr id="120" name="Google Shape;120;p23"/>
+          <p:cNvPr id="122" name="Google Shape;122;p23"/>
           <p:cNvSpPr txBox="1"/>
           <p:nvPr>
             <p:ph idx="1" type="body"/>
@@ -8690,7 +8776,7 @@
   <p:cSld>
     <p:spTree>
       <p:nvGrpSpPr>
-        <p:cNvPr id="124" name="Shape 124"/>
+        <p:cNvPr id="126" name="Shape 126"/>
         <p:cNvGrpSpPr/>
         <p:nvPr/>
       </p:nvGrpSpPr>
@@ -8704,7 +8790,7 @@
       </p:grpSpPr>
       <p:sp>
         <p:nvSpPr>
-          <p:cNvPr id="125" name="Google Shape;125;p24"/>
+          <p:cNvPr id="127" name="Google Shape;127;p24"/>
           <p:cNvSpPr txBox="1"/>
           <p:nvPr>
             <p:ph type="title"/>
@@ -8744,7 +8830,7 @@
       </p:sp>
       <p:sp>
         <p:nvSpPr>
-          <p:cNvPr id="126" name="Google Shape;126;p24"/>
+          <p:cNvPr id="128" name="Google Shape;128;p24"/>
           <p:cNvSpPr txBox="1"/>
           <p:nvPr>
             <p:ph idx="1" type="body"/>
@@ -8890,7 +8976,7 @@
   <p:cSld>
     <p:spTree>
       <p:nvGrpSpPr>
-        <p:cNvPr id="130" name="Shape 130"/>
+        <p:cNvPr id="132" name="Shape 132"/>
         <p:cNvGrpSpPr/>
         <p:nvPr/>
       </p:nvGrpSpPr>
@@ -8904,7 +8990,7 @@
       </p:grpSpPr>
       <p:sp>
         <p:nvSpPr>
-          <p:cNvPr id="131" name="Google Shape;131;p25"/>
+          <p:cNvPr id="133" name="Google Shape;133;p25"/>
           <p:cNvSpPr txBox="1"/>
           <p:nvPr>
             <p:ph type="title"/>
@@ -8944,7 +9030,7 @@
       </p:sp>
       <p:sp>
         <p:nvSpPr>
-          <p:cNvPr id="132" name="Google Shape;132;p25"/>
+          <p:cNvPr id="134" name="Google Shape;134;p25"/>
           <p:cNvSpPr txBox="1"/>
           <p:nvPr>
             <p:ph idx="1" type="body"/>
@@ -9074,7 +9160,7 @@
   <p:cSld>
     <p:spTree>
       <p:nvGrpSpPr>
-        <p:cNvPr id="136" name="Shape 136"/>
+        <p:cNvPr id="138" name="Shape 138"/>
         <p:cNvGrpSpPr/>
         <p:nvPr/>
       </p:nvGrpSpPr>
@@ -9088,7 +9174,7 @@
       </p:grpSpPr>
       <p:sp>
         <p:nvSpPr>
-          <p:cNvPr id="137" name="Google Shape;137;p26"/>
+          <p:cNvPr id="139" name="Google Shape;139;p26"/>
           <p:cNvSpPr txBox="1"/>
           <p:nvPr>
             <p:ph type="title"/>
@@ -9128,7 +9214,7 @@
       </p:sp>
       <p:sp>
         <p:nvSpPr>
-          <p:cNvPr id="138" name="Google Shape;138;p26"/>
+          <p:cNvPr id="140" name="Google Shape;140;p26"/>
           <p:cNvSpPr txBox="1"/>
           <p:nvPr/>
         </p:nvSpPr>
@@ -9331,7 +9417,7 @@
       </p:sp>
       <p:pic>
         <p:nvPicPr>
-          <p:cNvPr id="139" name="Google Shape;139;p26"/>
+          <p:cNvPr id="141" name="Google Shape;141;p26"/>
           <p:cNvPicPr preferRelativeResize="0"/>
           <p:nvPr/>
         </p:nvPicPr>
@@ -9370,7 +9456,7 @@
   <p:cSld>
     <p:spTree>
       <p:nvGrpSpPr>
-        <p:cNvPr id="143" name="Shape 143"/>
+        <p:cNvPr id="145" name="Shape 145"/>
         <p:cNvGrpSpPr/>
         <p:nvPr/>
       </p:nvGrpSpPr>
@@ -9384,7 +9470,7 @@
       </p:grpSpPr>
       <p:sp>
         <p:nvSpPr>
-          <p:cNvPr id="144" name="Google Shape;144;p27"/>
+          <p:cNvPr id="146" name="Google Shape;146;p27"/>
           <p:cNvSpPr txBox="1"/>
           <p:nvPr>
             <p:ph type="title"/>
@@ -9451,7 +9537,7 @@
   <p:cSld>
     <p:spTree>
       <p:nvGrpSpPr>
-        <p:cNvPr id="148" name="Shape 148"/>
+        <p:cNvPr id="150" name="Shape 150"/>
         <p:cNvGrpSpPr/>
         <p:nvPr/>
       </p:nvGrpSpPr>
@@ -9465,7 +9551,7 @@
       </p:grpSpPr>
       <p:sp>
         <p:nvSpPr>
-          <p:cNvPr id="149" name="Google Shape;149;p28"/>
+          <p:cNvPr id="151" name="Google Shape;151;p28"/>
           <p:cNvSpPr txBox="1"/>
           <p:nvPr>
             <p:ph type="title"/>
@@ -9505,7 +9591,7 @@
       </p:sp>
       <p:sp>
         <p:nvSpPr>
-          <p:cNvPr id="150" name="Google Shape;150;p28"/>
+          <p:cNvPr id="152" name="Google Shape;152;p28"/>
           <p:cNvSpPr txBox="1"/>
           <p:nvPr>
             <p:ph idx="1" type="body"/>
@@ -9627,7 +9713,7 @@
   <p:cSld>
     <p:spTree>
       <p:nvGrpSpPr>
-        <p:cNvPr id="154" name="Shape 154"/>
+        <p:cNvPr id="156" name="Shape 156"/>
         <p:cNvGrpSpPr/>
         <p:nvPr/>
       </p:nvGrpSpPr>
@@ -9641,7 +9727,7 @@
       </p:grpSpPr>
       <p:sp>
         <p:nvSpPr>
-          <p:cNvPr id="155" name="Google Shape;155;p29"/>
+          <p:cNvPr id="157" name="Google Shape;157;p29"/>
           <p:cNvSpPr txBox="1"/>
           <p:nvPr>
             <p:ph type="title"/>
@@ -9708,7 +9794,7 @@
   <p:cSld>
     <p:spTree>
       <p:nvGrpSpPr>
-        <p:cNvPr id="159" name="Shape 159"/>
+        <p:cNvPr id="161" name="Shape 161"/>
         <p:cNvGrpSpPr/>
         <p:nvPr/>
       </p:nvGrpSpPr>
@@ -9722,7 +9808,7 @@
       </p:grpSpPr>
       <p:sp>
         <p:nvSpPr>
-          <p:cNvPr id="160" name="Google Shape;160;p30"/>
+          <p:cNvPr id="162" name="Google Shape;162;p30"/>
           <p:cNvSpPr txBox="1"/>
           <p:nvPr>
             <p:ph type="title"/>
@@ -9762,7 +9848,7 @@
       </p:sp>
       <p:sp>
         <p:nvSpPr>
-          <p:cNvPr id="161" name="Google Shape;161;p30"/>
+          <p:cNvPr id="163" name="Google Shape;163;p30"/>
           <p:cNvSpPr txBox="1"/>
           <p:nvPr>
             <p:ph idx="1" type="body"/>
@@ -9822,7 +9908,7 @@
   <p:cSld>
     <p:spTree>
       <p:nvGrpSpPr>
-        <p:cNvPr id="165" name="Shape 165"/>
+        <p:cNvPr id="167" name="Shape 167"/>
         <p:cNvGrpSpPr/>
         <p:nvPr/>
       </p:nvGrpSpPr>
@@ -9836,7 +9922,7 @@
       </p:grpSpPr>
       <p:sp>
         <p:nvSpPr>
-          <p:cNvPr id="166" name="Google Shape;166;p31"/>
+          <p:cNvPr id="168" name="Google Shape;168;p31"/>
           <p:cNvSpPr txBox="1"/>
           <p:nvPr>
             <p:ph idx="1" type="body"/>
@@ -9941,7 +10027,7 @@
       </p:sp>
       <p:sp>
         <p:nvSpPr>
-          <p:cNvPr id="167" name="Google Shape;167;p31"/>
+          <p:cNvPr id="169" name="Google Shape;169;p31"/>
           <p:cNvSpPr txBox="1"/>
           <p:nvPr>
             <p:ph type="title"/>
@@ -9992,7 +10078,7 @@
   <p:cSld>
     <p:spTree>
       <p:nvGrpSpPr>
-        <p:cNvPr id="66" name="Shape 66"/>
+        <p:cNvPr id="68" name="Shape 68"/>
         <p:cNvGrpSpPr/>
         <p:nvPr/>
       </p:nvGrpSpPr>
@@ -10006,7 +10092,7 @@
       </p:grpSpPr>
       <p:sp>
         <p:nvSpPr>
-          <p:cNvPr id="67" name="Google Shape;67;p14"/>
+          <p:cNvPr id="69" name="Google Shape;69;p14"/>
           <p:cNvSpPr txBox="1"/>
           <p:nvPr>
             <p:ph type="title"/>
@@ -10076,7 +10162,7 @@
       </p:sp>
       <p:sp>
         <p:nvSpPr>
-          <p:cNvPr id="68" name="Google Shape;68;p14"/>
+          <p:cNvPr id="70" name="Google Shape;70;p14"/>
           <p:cNvSpPr txBox="1"/>
           <p:nvPr>
             <p:ph idx="1" type="body"/>
@@ -10213,7 +10299,7 @@
   <p:cSld>
     <p:spTree>
       <p:nvGrpSpPr>
-        <p:cNvPr id="171" name="Shape 171"/>
+        <p:cNvPr id="173" name="Shape 173"/>
         <p:cNvGrpSpPr/>
         <p:nvPr/>
       </p:nvGrpSpPr>
@@ -10227,7 +10313,7 @@
       </p:grpSpPr>
       <p:sp>
         <p:nvSpPr>
-          <p:cNvPr id="172" name="Google Shape;172;p32"/>
+          <p:cNvPr id="174" name="Google Shape;174;p32"/>
           <p:cNvSpPr txBox="1"/>
           <p:nvPr>
             <p:ph type="title"/>
@@ -10267,7 +10353,7 @@
       </p:sp>
       <p:sp>
         <p:nvSpPr>
-          <p:cNvPr id="173" name="Google Shape;173;p32"/>
+          <p:cNvPr id="175" name="Google Shape;175;p32"/>
           <p:cNvSpPr txBox="1"/>
           <p:nvPr>
             <p:ph idx="1" type="body"/>
@@ -10334,7 +10420,7 @@
   <p:cSld>
     <p:spTree>
       <p:nvGrpSpPr>
-        <p:cNvPr id="177" name="Shape 177"/>
+        <p:cNvPr id="179" name="Shape 179"/>
         <p:cNvGrpSpPr/>
         <p:nvPr/>
       </p:nvGrpSpPr>
@@ -10348,7 +10434,7 @@
       </p:grpSpPr>
       <p:sp>
         <p:nvSpPr>
-          <p:cNvPr id="178" name="Google Shape;178;p33"/>
+          <p:cNvPr id="180" name="Google Shape;180;p33"/>
           <p:cNvSpPr txBox="1"/>
           <p:nvPr>
             <p:ph type="title"/>
@@ -10388,7 +10474,7 @@
       </p:sp>
       <p:sp>
         <p:nvSpPr>
-          <p:cNvPr id="179" name="Google Shape;179;p33"/>
+          <p:cNvPr id="181" name="Google Shape;181;p33"/>
           <p:cNvSpPr txBox="1"/>
           <p:nvPr>
             <p:ph idx="1" type="body"/>
@@ -10486,7 +10572,7 @@
   <p:cSld>
     <p:spTree>
       <p:nvGrpSpPr>
-        <p:cNvPr id="183" name="Shape 183"/>
+        <p:cNvPr id="185" name="Shape 185"/>
         <p:cNvGrpSpPr/>
         <p:nvPr/>
       </p:nvGrpSpPr>
@@ -10500,7 +10586,7 @@
       </p:grpSpPr>
       <p:sp>
         <p:nvSpPr>
-          <p:cNvPr id="184" name="Google Shape;184;p34"/>
+          <p:cNvPr id="186" name="Google Shape;186;p34"/>
           <p:cNvSpPr txBox="1"/>
           <p:nvPr>
             <p:ph type="title"/>
@@ -10540,7 +10626,7 @@
       </p:sp>
       <p:sp>
         <p:nvSpPr>
-          <p:cNvPr id="185" name="Google Shape;185;p34"/>
+          <p:cNvPr id="187" name="Google Shape;187;p34"/>
           <p:cNvSpPr txBox="1"/>
           <p:nvPr>
             <p:ph idx="1" type="body"/>
@@ -10689,7 +10775,7 @@
   <p:cSld>
     <p:spTree>
       <p:nvGrpSpPr>
-        <p:cNvPr id="72" name="Shape 72"/>
+        <p:cNvPr id="74" name="Shape 74"/>
         <p:cNvGrpSpPr/>
         <p:nvPr/>
       </p:nvGrpSpPr>
@@ -10703,7 +10789,7 @@
       </p:grpSpPr>
       <p:sp>
         <p:nvSpPr>
-          <p:cNvPr id="73" name="Google Shape;73;p15"/>
+          <p:cNvPr id="75" name="Google Shape;75;p15"/>
           <p:cNvSpPr txBox="1"/>
           <p:nvPr>
             <p:ph type="title"/>
@@ -10754,7 +10840,7 @@
   <p:cSld>
     <p:spTree>
       <p:nvGrpSpPr>
-        <p:cNvPr id="77" name="Shape 77"/>
+        <p:cNvPr id="79" name="Shape 79"/>
         <p:cNvGrpSpPr/>
         <p:nvPr/>
       </p:nvGrpSpPr>
@@ -10768,7 +10854,7 @@
       </p:grpSpPr>
       <p:sp>
         <p:nvSpPr>
-          <p:cNvPr id="78" name="Google Shape;78;p16"/>
+          <p:cNvPr id="80" name="Google Shape;80;p16"/>
           <p:cNvSpPr txBox="1"/>
           <p:nvPr>
             <p:ph type="title"/>
@@ -10808,7 +10894,7 @@
       </p:sp>
       <p:sp>
         <p:nvSpPr>
-          <p:cNvPr id="79" name="Google Shape;79;p16"/>
+          <p:cNvPr id="81" name="Google Shape;81;p16"/>
           <p:cNvSpPr txBox="1"/>
           <p:nvPr>
             <p:ph idx="1" type="body"/>
@@ -11284,7 +11370,7 @@
   <p:cSld>
     <p:spTree>
       <p:nvGrpSpPr>
-        <p:cNvPr id="83" name="Shape 83"/>
+        <p:cNvPr id="85" name="Shape 85"/>
         <p:cNvGrpSpPr/>
         <p:nvPr/>
       </p:nvGrpSpPr>
@@ -11298,7 +11384,7 @@
       </p:grpSpPr>
       <p:sp>
         <p:nvSpPr>
-          <p:cNvPr id="84" name="Google Shape;84;p17"/>
+          <p:cNvPr id="86" name="Google Shape;86;p17"/>
           <p:cNvSpPr txBox="1"/>
           <p:nvPr>
             <p:ph type="title"/>
@@ -11338,7 +11424,7 @@
       </p:sp>
       <p:sp>
         <p:nvSpPr>
-          <p:cNvPr id="85" name="Google Shape;85;p17"/>
+          <p:cNvPr id="87" name="Google Shape;87;p17"/>
           <p:cNvSpPr txBox="1"/>
           <p:nvPr>
             <p:ph idx="1" type="body"/>
@@ -11529,7 +11615,7 @@
   <p:cSld>
     <p:spTree>
       <p:nvGrpSpPr>
-        <p:cNvPr id="89" name="Shape 89"/>
+        <p:cNvPr id="91" name="Shape 91"/>
         <p:cNvGrpSpPr/>
         <p:nvPr/>
       </p:nvGrpSpPr>
@@ -11543,7 +11629,7 @@
       </p:grpSpPr>
       <p:sp>
         <p:nvSpPr>
-          <p:cNvPr id="90" name="Google Shape;90;p18"/>
+          <p:cNvPr id="92" name="Google Shape;92;p18"/>
           <p:cNvSpPr txBox="1"/>
           <p:nvPr>
             <p:ph type="title"/>
@@ -11583,7 +11669,7 @@
       </p:sp>
       <p:sp>
         <p:nvSpPr>
-          <p:cNvPr id="91" name="Google Shape;91;p18"/>
+          <p:cNvPr id="93" name="Google Shape;93;p18"/>
           <p:cNvSpPr txBox="1"/>
           <p:nvPr>
             <p:ph idx="1" type="body"/>
@@ -11741,7 +11827,7 @@
   <p:cSld>
     <p:spTree>
       <p:nvGrpSpPr>
-        <p:cNvPr id="95" name="Shape 95"/>
+        <p:cNvPr id="97" name="Shape 97"/>
         <p:cNvGrpSpPr/>
         <p:nvPr/>
       </p:nvGrpSpPr>
@@ -11755,7 +11841,7 @@
       </p:grpSpPr>
       <p:sp>
         <p:nvSpPr>
-          <p:cNvPr id="96" name="Google Shape;96;p19"/>
+          <p:cNvPr id="98" name="Google Shape;98;p19"/>
           <p:cNvSpPr txBox="1"/>
           <p:nvPr>
             <p:ph type="title"/>
@@ -11806,7 +11892,7 @@
   <p:cSld>
     <p:spTree>
       <p:nvGrpSpPr>
-        <p:cNvPr id="100" name="Shape 100"/>
+        <p:cNvPr id="102" name="Shape 102"/>
         <p:cNvGrpSpPr/>
         <p:nvPr/>
       </p:nvGrpSpPr>
@@ -11820,7 +11906,7 @@
       </p:grpSpPr>
       <p:sp>
         <p:nvSpPr>
-          <p:cNvPr id="101" name="Google Shape;101;p20"/>
+          <p:cNvPr id="103" name="Google Shape;103;p20"/>
           <p:cNvSpPr txBox="1"/>
           <p:nvPr>
             <p:ph type="title"/>
@@ -11860,7 +11946,7 @@
       </p:sp>
       <p:sp>
         <p:nvSpPr>
-          <p:cNvPr id="102" name="Google Shape;102;p20"/>
+          <p:cNvPr id="104" name="Google Shape;104;p20"/>
           <p:cNvSpPr txBox="1"/>
           <p:nvPr>
             <p:ph idx="1" type="body"/>
@@ -11941,7 +12027,7 @@
   <p:cSld>
     <p:spTree>
       <p:nvGrpSpPr>
-        <p:cNvPr id="106" name="Shape 106"/>
+        <p:cNvPr id="108" name="Shape 108"/>
         <p:cNvGrpSpPr/>
         <p:nvPr/>
       </p:nvGrpSpPr>
@@ -11955,7 +12041,7 @@
       </p:grpSpPr>
       <p:sp>
         <p:nvSpPr>
-          <p:cNvPr id="107" name="Google Shape;107;p21"/>
+          <p:cNvPr id="109" name="Google Shape;109;p21"/>
           <p:cNvSpPr txBox="1"/>
           <p:nvPr>
             <p:ph type="title"/>
@@ -11995,7 +12081,7 @@
       </p:sp>
       <p:sp>
         <p:nvSpPr>
-          <p:cNvPr id="108" name="Google Shape;108;p21"/>
+          <p:cNvPr id="110" name="Google Shape;110;p21"/>
           <p:cNvSpPr txBox="1"/>
           <p:nvPr>
             <p:ph idx="1" type="body"/>
@@ -12110,6 +12196,285 @@
 </file>
 
 <file path=ppt/theme/theme1.xml><?xml version="1.0" encoding="utf-8"?>
+<a:theme xmlns:a="http://schemas.openxmlformats.org/drawingml/2006/main" xmlns:r="http://schemas.openxmlformats.org/officeDocument/2006/relationships" name="Spearmint">
+  <a:themeElements>
+    <a:clrScheme name="Spearmint">
+      <a:dk1>
+        <a:srgbClr val="202729"/>
+      </a:dk1>
+      <a:lt1>
+        <a:srgbClr val="FFFFFF"/>
+      </a:lt1>
+      <a:dk2>
+        <a:srgbClr val="4BA173"/>
+      </a:dk2>
+      <a:lt2>
+        <a:srgbClr val="63D297"/>
+      </a:lt2>
+      <a:accent1>
+        <a:srgbClr val="353744"/>
+      </a:accent1>
+      <a:accent2>
+        <a:srgbClr val="424242"/>
+      </a:accent2>
+      <a:accent3>
+        <a:srgbClr val="616161"/>
+      </a:accent3>
+      <a:accent4>
+        <a:srgbClr val="999999"/>
+      </a:accent4>
+      <a:accent5>
+        <a:srgbClr val="FF5252"/>
+      </a:accent5>
+      <a:accent6>
+        <a:srgbClr val="FFF176"/>
+      </a:accent6>
+      <a:hlink>
+        <a:srgbClr val="FF5252"/>
+      </a:hlink>
+      <a:folHlink>
+        <a:srgbClr val="FF5252"/>
+      </a:folHlink>
+    </a:clrScheme>
+    <a:fontScheme name="Office">
+      <a:majorFont>
+        <a:latin typeface="Arial"/>
+        <a:ea typeface=""/>
+        <a:cs typeface=""/>
+        <a:font script="Jpan" typeface="ＭＳ Ｐゴシック"/>
+        <a:font script="Hang" typeface="맑은 고딕"/>
+        <a:font script="Hans" typeface="宋体"/>
+        <a:font script="Hant" typeface="新細明體"/>
+        <a:font script="Arab" typeface="Times New Roman"/>
+        <a:font script="Hebr" typeface="Times New Roman"/>
+        <a:font script="Thai" typeface="Angsana New"/>
+        <a:font script="Ethi" typeface="Nyala"/>
+        <a:font script="Beng" typeface="Vrinda"/>
+        <a:font script="Gujr" typeface="Shruti"/>
+        <a:font script="Khmr" typeface="MoolBoran"/>
+        <a:font script="Knda" typeface="Tunga"/>
+        <a:font script="Guru" typeface="Raavi"/>
+        <a:font script="Cans" typeface="Euphemia"/>
+        <a:font script="Cher" typeface="Plantagenet Cherokee"/>
+        <a:font script="Yiii" typeface="Microsoft Yi Baiti"/>
+        <a:font script="Tibt" typeface="Microsoft Himalaya"/>
+        <a:font script="Thaa" typeface="MV Boli"/>
+        <a:font script="Deva" typeface="Mangal"/>
+        <a:font script="Telu" typeface="Gautami"/>
+        <a:font script="Taml" typeface="Latha"/>
+        <a:font script="Syrc" typeface="Estrangelo Edessa"/>
+        <a:font script="Orya" typeface="Kalinga"/>
+        <a:font script="Mlym" typeface="Kartika"/>
+        <a:font script="Laoo" typeface="DokChampa"/>
+        <a:font script="Sinh" typeface="Iskoola Pota"/>
+        <a:font script="Mong" typeface="Mongolian Baiti"/>
+        <a:font script="Viet" typeface="Times New Roman"/>
+        <a:font script="Uigh" typeface="Microsoft Uighur"/>
+        <a:font script="Geor" typeface="Sylfaen"/>
+      </a:majorFont>
+      <a:minorFont>
+        <a:latin typeface="Arial"/>
+        <a:ea typeface=""/>
+        <a:cs typeface=""/>
+        <a:font script="Jpan" typeface="ＭＳ Ｐゴシック"/>
+        <a:font script="Hang" typeface="맑은 고딕"/>
+        <a:font script="Hans" typeface="宋体"/>
+        <a:font script="Hant" typeface="新細明體"/>
+        <a:font script="Arab" typeface="Arial"/>
+        <a:font script="Hebr" typeface="Arial"/>
+        <a:font script="Thai" typeface="Cordia New"/>
+        <a:font script="Ethi" typeface="Nyala"/>
+        <a:font script="Beng" typeface="Vrinda"/>
+        <a:font script="Gujr" typeface="Shruti"/>
+        <a:font script="Khmr" typeface="DaunPenh"/>
+        <a:font script="Knda" typeface="Tunga"/>
+        <a:font script="Guru" typeface="Raavi"/>
+        <a:font script="Cans" typeface="Euphemia"/>
+        <a:font script="Cher" typeface="Plantagenet Cherokee"/>
+        <a:font script="Yiii" typeface="Microsoft Yi Baiti"/>
+        <a:font script="Tibt" typeface="Microsoft Himalaya"/>
+        <a:font script="Thaa" typeface="MV Boli"/>
+        <a:font script="Deva" typeface="Mangal"/>
+        <a:font script="Telu" typeface="Gautami"/>
+        <a:font script="Taml" typeface="Latha"/>
+        <a:font script="Syrc" typeface="Estrangelo Edessa"/>
+        <a:font script="Orya" typeface="Kalinga"/>
+        <a:font script="Mlym" typeface="Kartika"/>
+        <a:font script="Laoo" typeface="DokChampa"/>
+        <a:font script="Sinh" typeface="Iskoola Pota"/>
+        <a:font script="Mong" typeface="Mongolian Baiti"/>
+        <a:font script="Viet" typeface="Arial"/>
+        <a:font script="Uigh" typeface="Microsoft Uighur"/>
+        <a:font script="Geor" typeface="Sylfaen"/>
+      </a:minorFont>
+    </a:fontScheme>
+    <a:fmtScheme name="Office">
+      <a:fillStyleLst>
+        <a:solidFill>
+          <a:schemeClr val="phClr"/>
+        </a:solidFill>
+        <a:gradFill rotWithShape="1">
+          <a:gsLst>
+            <a:gs pos="0">
+              <a:schemeClr val="phClr">
+                <a:tint val="50000"/>
+                <a:satMod val="300000"/>
+              </a:schemeClr>
+            </a:gs>
+            <a:gs pos="35000">
+              <a:schemeClr val="phClr">
+                <a:tint val="37000"/>
+                <a:satMod val="300000"/>
+              </a:schemeClr>
+            </a:gs>
+            <a:gs pos="100000">
+              <a:schemeClr val="phClr">
+                <a:tint val="15000"/>
+                <a:satMod val="350000"/>
+              </a:schemeClr>
+            </a:gs>
+          </a:gsLst>
+          <a:lin ang="16200000" scaled="1"/>
+        </a:gradFill>
+        <a:gradFill rotWithShape="1">
+          <a:gsLst>
+            <a:gs pos="0">
+              <a:schemeClr val="phClr">
+                <a:tint val="100000"/>
+                <a:shade val="100000"/>
+                <a:satMod val="130000"/>
+              </a:schemeClr>
+            </a:gs>
+            <a:gs pos="100000">
+              <a:schemeClr val="phClr">
+                <a:tint val="50000"/>
+                <a:shade val="100000"/>
+                <a:satMod val="350000"/>
+              </a:schemeClr>
+            </a:gs>
+          </a:gsLst>
+          <a:lin ang="16200000" scaled="0"/>
+        </a:gradFill>
+      </a:fillStyleLst>
+      <a:lnStyleLst>
+        <a:ln w="9525" cap="flat" cmpd="sng" algn="ctr">
+          <a:solidFill>
+            <a:schemeClr val="phClr">
+              <a:shade val="95000"/>
+              <a:satMod val="105000"/>
+            </a:schemeClr>
+          </a:solidFill>
+          <a:prstDash val="solid"/>
+        </a:ln>
+        <a:ln w="25400" cap="flat" cmpd="sng" algn="ctr">
+          <a:solidFill>
+            <a:schemeClr val="phClr"/>
+          </a:solidFill>
+          <a:prstDash val="solid"/>
+        </a:ln>
+        <a:ln w="38100" cap="flat" cmpd="sng" algn="ctr">
+          <a:solidFill>
+            <a:schemeClr val="phClr"/>
+          </a:solidFill>
+          <a:prstDash val="solid"/>
+        </a:ln>
+      </a:lnStyleLst>
+      <a:effectStyleLst>
+        <a:effectStyle>
+          <a:effectLst>
+            <a:outerShdw blurRad="40000" dist="20000" dir="5400000" rotWithShape="0">
+              <a:srgbClr val="000000">
+                <a:alpha val="38000"/>
+              </a:srgbClr>
+            </a:outerShdw>
+          </a:effectLst>
+        </a:effectStyle>
+        <a:effectStyle>
+          <a:effectLst>
+            <a:outerShdw blurRad="40000" dist="23000" dir="5400000" rotWithShape="0">
+              <a:srgbClr val="000000">
+                <a:alpha val="35000"/>
+              </a:srgbClr>
+            </a:outerShdw>
+          </a:effectLst>
+        </a:effectStyle>
+        <a:effectStyle>
+          <a:effectLst>
+            <a:outerShdw blurRad="40000" dist="23000" dir="5400000" rotWithShape="0">
+              <a:srgbClr val="000000">
+                <a:alpha val="35000"/>
+              </a:srgbClr>
+            </a:outerShdw>
+          </a:effectLst>
+          <a:scene3d>
+            <a:camera prst="orthographicFront">
+              <a:rot lat="0" lon="0" rev="0"/>
+            </a:camera>
+            <a:lightRig rig="threePt" dir="t">
+              <a:rot lat="0" lon="0" rev="1200000"/>
+            </a:lightRig>
+          </a:scene3d>
+          <a:sp3d>
+            <a:bevelT w="63500" h="25400"/>
+          </a:sp3d>
+        </a:effectStyle>
+      </a:effectStyleLst>
+      <a:bgFillStyleLst>
+        <a:solidFill>
+          <a:schemeClr val="phClr"/>
+        </a:solidFill>
+        <a:gradFill rotWithShape="1">
+          <a:gsLst>
+            <a:gs pos="0">
+              <a:schemeClr val="phClr">
+                <a:tint val="40000"/>
+                <a:satMod val="350000"/>
+              </a:schemeClr>
+            </a:gs>
+            <a:gs pos="40000">
+              <a:schemeClr val="phClr">
+                <a:tint val="45000"/>
+                <a:shade val="99000"/>
+                <a:satMod val="350000"/>
+              </a:schemeClr>
+            </a:gs>
+            <a:gs pos="100000">
+              <a:schemeClr val="phClr">
+                <a:shade val="20000"/>
+                <a:satMod val="255000"/>
+              </a:schemeClr>
+            </a:gs>
+          </a:gsLst>
+          <a:path path="circle">
+            <a:fillToRect l="50000" t="-80000" r="50000" b="180000"/>
+          </a:path>
+        </a:gradFill>
+        <a:gradFill rotWithShape="1">
+          <a:gsLst>
+            <a:gs pos="0">
+              <a:schemeClr val="phClr">
+                <a:tint val="80000"/>
+                <a:satMod val="300000"/>
+              </a:schemeClr>
+            </a:gs>
+            <a:gs pos="100000">
+              <a:schemeClr val="phClr">
+                <a:shade val="30000"/>
+                <a:satMod val="200000"/>
+              </a:schemeClr>
+            </a:gs>
+          </a:gsLst>
+          <a:path path="circle">
+            <a:fillToRect l="50000" t="50000" r="50000" b="50000"/>
+          </a:path>
+        </a:gradFill>
+      </a:bgFillStyleLst>
+    </a:fmtScheme>
+  </a:themeElements>
+</a:theme>
+</file>
+
+<file path=ppt/theme/theme2.xml><?xml version="1.0" encoding="utf-8"?>
 <a:theme xmlns:a="http://schemas.openxmlformats.org/drawingml/2006/main" xmlns:r="http://schemas.openxmlformats.org/officeDocument/2006/relationships">
   <a:themeElements>
     <a:clrScheme name="Default">
@@ -12386,283 +12751,4 @@
     </a:fmtScheme>
   </a:themeElements>
 </a:theme>
-</file>
-
-<file path=ppt/theme/theme2.xml><?xml version="1.0" encoding="utf-8"?>
-<a:theme xmlns:a="http://schemas.openxmlformats.org/drawingml/2006/main" xmlns:r="http://schemas.openxmlformats.org/officeDocument/2006/relationships" name="Spearmint">
-  <a:themeElements>
-    <a:clrScheme name="Spearmint">
-      <a:dk1>
-        <a:srgbClr val="202729"/>
-      </a:dk1>
-      <a:lt1>
-        <a:srgbClr val="FFFFFF"/>
-      </a:lt1>
-      <a:dk2>
-        <a:srgbClr val="4BA173"/>
-      </a:dk2>
-      <a:lt2>
-        <a:srgbClr val="63D297"/>
-      </a:lt2>
-      <a:accent1>
-        <a:srgbClr val="353744"/>
-      </a:accent1>
-      <a:accent2>
-        <a:srgbClr val="424242"/>
-      </a:accent2>
-      <a:accent3>
-        <a:srgbClr val="616161"/>
-      </a:accent3>
-      <a:accent4>
-        <a:srgbClr val="999999"/>
-      </a:accent4>
-      <a:accent5>
-        <a:srgbClr val="FF5252"/>
-      </a:accent5>
-      <a:accent6>
-        <a:srgbClr val="FFF176"/>
-      </a:accent6>
-      <a:hlink>
-        <a:srgbClr val="FF5252"/>
-      </a:hlink>
-      <a:folHlink>
-        <a:srgbClr val="FF5252"/>
-      </a:folHlink>
-    </a:clrScheme>
-    <a:fontScheme name="Office">
-      <a:majorFont>
-        <a:latin typeface="Arial"/>
-        <a:ea typeface=""/>
-        <a:cs typeface=""/>
-        <a:font script="Jpan" typeface="ＭＳ Ｐゴシック"/>
-        <a:font script="Hang" typeface="맑은 고딕"/>
-        <a:font script="Hans" typeface="宋体"/>
-        <a:font script="Hant" typeface="新細明體"/>
-        <a:font script="Arab" typeface="Times New Roman"/>
-        <a:font script="Hebr" typeface="Times New Roman"/>
-        <a:font script="Thai" typeface="Angsana New"/>
-        <a:font script="Ethi" typeface="Nyala"/>
-        <a:font script="Beng" typeface="Vrinda"/>
-        <a:font script="Gujr" typeface="Shruti"/>
-        <a:font script="Khmr" typeface="MoolBoran"/>
-        <a:font script="Knda" typeface="Tunga"/>
-        <a:font script="Guru" typeface="Raavi"/>
-        <a:font script="Cans" typeface="Euphemia"/>
-        <a:font script="Cher" typeface="Plantagenet Cherokee"/>
-        <a:font script="Yiii" typeface="Microsoft Yi Baiti"/>
-        <a:font script="Tibt" typeface="Microsoft Himalaya"/>
-        <a:font script="Thaa" typeface="MV Boli"/>
-        <a:font script="Deva" typeface="Mangal"/>
-        <a:font script="Telu" typeface="Gautami"/>
-        <a:font script="Taml" typeface="Latha"/>
-        <a:font script="Syrc" typeface="Estrangelo Edessa"/>
-        <a:font script="Orya" typeface="Kalinga"/>
-        <a:font script="Mlym" typeface="Kartika"/>
-        <a:font script="Laoo" typeface="DokChampa"/>
-        <a:font script="Sinh" typeface="Iskoola Pota"/>
-        <a:font script="Mong" typeface="Mongolian Baiti"/>
-        <a:font script="Viet" typeface="Times New Roman"/>
-        <a:font script="Uigh" typeface="Microsoft Uighur"/>
-        <a:font script="Geor" typeface="Sylfaen"/>
-      </a:majorFont>
-      <a:minorFont>
-        <a:latin typeface="Arial"/>
-        <a:ea typeface=""/>
-        <a:cs typeface=""/>
-        <a:font script="Jpan" typeface="ＭＳ Ｐゴシック"/>
-        <a:font script="Hang" typeface="맑은 고딕"/>
-        <a:font script="Hans" typeface="宋体"/>
-        <a:font script="Hant" typeface="新細明體"/>
-        <a:font script="Arab" typeface="Arial"/>
-        <a:font script="Hebr" typeface="Arial"/>
-        <a:font script="Thai" typeface="Cordia New"/>
-        <a:font script="Ethi" typeface="Nyala"/>
-        <a:font script="Beng" typeface="Vrinda"/>
-        <a:font script="Gujr" typeface="Shruti"/>
-        <a:font script="Khmr" typeface="DaunPenh"/>
-        <a:font script="Knda" typeface="Tunga"/>
-        <a:font script="Guru" typeface="Raavi"/>
-        <a:font script="Cans" typeface="Euphemia"/>
-        <a:font script="Cher" typeface="Plantagenet Cherokee"/>
-        <a:font script="Yiii" typeface="Microsoft Yi Baiti"/>
-        <a:font script="Tibt" typeface="Microsoft Himalaya"/>
-        <a:font script="Thaa" typeface="MV Boli"/>
-        <a:font script="Deva" typeface="Mangal"/>
-        <a:font script="Telu" typeface="Gautami"/>
-        <a:font script="Taml" typeface="Latha"/>
-        <a:font script="Syrc" typeface="Estrangelo Edessa"/>
-        <a:font script="Orya" typeface="Kalinga"/>
-        <a:font script="Mlym" typeface="Kartika"/>
-        <a:font script="Laoo" typeface="DokChampa"/>
-        <a:font script="Sinh" typeface="Iskoola Pota"/>
-        <a:font script="Mong" typeface="Mongolian Baiti"/>
-        <a:font script="Viet" typeface="Arial"/>
-        <a:font script="Uigh" typeface="Microsoft Uighur"/>
-        <a:font script="Geor" typeface="Sylfaen"/>
-      </a:minorFont>
-    </a:fontScheme>
-    <a:fmtScheme name="Office">
-      <a:fillStyleLst>
-        <a:solidFill>
-          <a:schemeClr val="phClr"/>
-        </a:solidFill>
-        <a:gradFill rotWithShape="1">
-          <a:gsLst>
-            <a:gs pos="0">
-              <a:schemeClr val="phClr">
-                <a:tint val="50000"/>
-                <a:satMod val="300000"/>
-              </a:schemeClr>
-            </a:gs>
-            <a:gs pos="35000">
-              <a:schemeClr val="phClr">
-                <a:tint val="37000"/>
-                <a:satMod val="300000"/>
-              </a:schemeClr>
-            </a:gs>
-            <a:gs pos="100000">
-              <a:schemeClr val="phClr">
-                <a:tint val="15000"/>
-                <a:satMod val="350000"/>
-              </a:schemeClr>
-            </a:gs>
-          </a:gsLst>
-          <a:lin ang="16200000" scaled="1"/>
-        </a:gradFill>
-        <a:gradFill rotWithShape="1">
-          <a:gsLst>
-            <a:gs pos="0">
-              <a:schemeClr val="phClr">
-                <a:tint val="100000"/>
-                <a:shade val="100000"/>
-                <a:satMod val="130000"/>
-              </a:schemeClr>
-            </a:gs>
-            <a:gs pos="100000">
-              <a:schemeClr val="phClr">
-                <a:tint val="50000"/>
-                <a:shade val="100000"/>
-                <a:satMod val="350000"/>
-              </a:schemeClr>
-            </a:gs>
-          </a:gsLst>
-          <a:lin ang="16200000" scaled="0"/>
-        </a:gradFill>
-      </a:fillStyleLst>
-      <a:lnStyleLst>
-        <a:ln w="9525" cap="flat" cmpd="sng" algn="ctr">
-          <a:solidFill>
-            <a:schemeClr val="phClr">
-              <a:shade val="95000"/>
-              <a:satMod val="105000"/>
-            </a:schemeClr>
-          </a:solidFill>
-          <a:prstDash val="solid"/>
-        </a:ln>
-        <a:ln w="25400" cap="flat" cmpd="sng" algn="ctr">
-          <a:solidFill>
-            <a:schemeClr val="phClr"/>
-          </a:solidFill>
-          <a:prstDash val="solid"/>
-        </a:ln>
-        <a:ln w="38100" cap="flat" cmpd="sng" algn="ctr">
-          <a:solidFill>
-            <a:schemeClr val="phClr"/>
-          </a:solidFill>
-          <a:prstDash val="solid"/>
-        </a:ln>
-      </a:lnStyleLst>
-      <a:effectStyleLst>
-        <a:effectStyle>
-          <a:effectLst>
-            <a:outerShdw blurRad="40000" dist="20000" dir="5400000" rotWithShape="0">
-              <a:srgbClr val="000000">
-                <a:alpha val="38000"/>
-              </a:srgbClr>
-            </a:outerShdw>
-          </a:effectLst>
-        </a:effectStyle>
-        <a:effectStyle>
-          <a:effectLst>
-            <a:outerShdw blurRad="40000" dist="23000" dir="5400000" rotWithShape="0">
-              <a:srgbClr val="000000">
-                <a:alpha val="35000"/>
-              </a:srgbClr>
-            </a:outerShdw>
-          </a:effectLst>
-        </a:effectStyle>
-        <a:effectStyle>
-          <a:effectLst>
-            <a:outerShdw blurRad="40000" dist="23000" dir="5400000" rotWithShape="0">
-              <a:srgbClr val="000000">
-                <a:alpha val="35000"/>
-              </a:srgbClr>
-            </a:outerShdw>
-          </a:effectLst>
-          <a:scene3d>
-            <a:camera prst="orthographicFront">
-              <a:rot lat="0" lon="0" rev="0"/>
-            </a:camera>
-            <a:lightRig rig="threePt" dir="t">
-              <a:rot lat="0" lon="0" rev="1200000"/>
-            </a:lightRig>
-          </a:scene3d>
-          <a:sp3d>
-            <a:bevelT w="63500" h="25400"/>
-          </a:sp3d>
-        </a:effectStyle>
-      </a:effectStyleLst>
-      <a:bgFillStyleLst>
-        <a:solidFill>
-          <a:schemeClr val="phClr"/>
-        </a:solidFill>
-        <a:gradFill rotWithShape="1">
-          <a:gsLst>
-            <a:gs pos="0">
-              <a:schemeClr val="phClr">
-                <a:tint val="40000"/>
-                <a:satMod val="350000"/>
-              </a:schemeClr>
-            </a:gs>
-            <a:gs pos="40000">
-              <a:schemeClr val="phClr">
-                <a:tint val="45000"/>
-                <a:shade val="99000"/>
-                <a:satMod val="350000"/>
-              </a:schemeClr>
-            </a:gs>
-            <a:gs pos="100000">
-              <a:schemeClr val="phClr">
-                <a:shade val="20000"/>
-                <a:satMod val="255000"/>
-              </a:schemeClr>
-            </a:gs>
-          </a:gsLst>
-          <a:path path="circle">
-            <a:fillToRect l="50000" t="-80000" r="50000" b="180000"/>
-          </a:path>
-        </a:gradFill>
-        <a:gradFill rotWithShape="1">
-          <a:gsLst>
-            <a:gs pos="0">
-              <a:schemeClr val="phClr">
-                <a:tint val="80000"/>
-                <a:satMod val="300000"/>
-              </a:schemeClr>
-            </a:gs>
-            <a:gs pos="100000">
-              <a:schemeClr val="phClr">
-                <a:shade val="30000"/>
-                <a:satMod val="200000"/>
-              </a:schemeClr>
-            </a:gs>
-          </a:gsLst>
-          <a:path path="circle">
-            <a:fillToRect l="50000" t="50000" r="50000" b="50000"/>
-          </a:path>
-        </a:gradFill>
-      </a:bgFillStyleLst>
-    </a:fmtScheme>
-  </a:themeElements>
-</a:theme>
 </file>